--- a/img/poolMonitoring.pptx
+++ b/img/poolMonitoring.pptx
@@ -107,6 +107,11 @@
       </a:defRPr>
     </a:lvl9pPr>
   </p:defaultTextStyle>
+  <p:extLst>
+    <p:ext uri="{EFAFB233-063F-42B5-8137-9DF3F51BA10A}">
+      <p15:sldGuideLst xmlns:p15="http://schemas.microsoft.com/office/powerpoint/2012/main"/>
+    </p:ext>
+  </p:extLst>
 </p:presentation>
 </file>
 
@@ -192,7 +197,7 @@
           <a:p>
             <a:fld id="{2FB3797B-A0AB-E147-8874-B009AA0C39E6}" type="datetimeFigureOut">
               <a:rPr lang="fr-FR" smtClean="0"/>
-              <a:t>04/08/2022</a:t>
+              <a:t>09/08/2022</a:t>
             </a:fld>
             <a:endParaRPr lang="fr-FR"/>
           </a:p>
@@ -693,7 +698,7 @@
           <a:p>
             <a:fld id="{7D293AB4-7A42-124E-8932-A7E6F1CDDC2F}" type="datetimeFigureOut">
               <a:rPr lang="fr-FR" smtClean="0"/>
-              <a:t>04/08/2022</a:t>
+              <a:t>09/08/2022</a:t>
             </a:fld>
             <a:endParaRPr lang="fr-FR"/>
           </a:p>
@@ -893,7 +898,7 @@
           <a:p>
             <a:fld id="{7D293AB4-7A42-124E-8932-A7E6F1CDDC2F}" type="datetimeFigureOut">
               <a:rPr lang="fr-FR" smtClean="0"/>
-              <a:t>04/08/2022</a:t>
+              <a:t>09/08/2022</a:t>
             </a:fld>
             <a:endParaRPr lang="fr-FR"/>
           </a:p>
@@ -1103,7 +1108,7 @@
           <a:p>
             <a:fld id="{7D293AB4-7A42-124E-8932-A7E6F1CDDC2F}" type="datetimeFigureOut">
               <a:rPr lang="fr-FR" smtClean="0"/>
-              <a:t>04/08/2022</a:t>
+              <a:t>09/08/2022</a:t>
             </a:fld>
             <a:endParaRPr lang="fr-FR"/>
           </a:p>
@@ -1303,7 +1308,7 @@
           <a:p>
             <a:fld id="{7D293AB4-7A42-124E-8932-A7E6F1CDDC2F}" type="datetimeFigureOut">
               <a:rPr lang="fr-FR" smtClean="0"/>
-              <a:t>04/08/2022</a:t>
+              <a:t>09/08/2022</a:t>
             </a:fld>
             <a:endParaRPr lang="fr-FR"/>
           </a:p>
@@ -1579,7 +1584,7 @@
           <a:p>
             <a:fld id="{7D293AB4-7A42-124E-8932-A7E6F1CDDC2F}" type="datetimeFigureOut">
               <a:rPr lang="fr-FR" smtClean="0"/>
-              <a:t>04/08/2022</a:t>
+              <a:t>09/08/2022</a:t>
             </a:fld>
             <a:endParaRPr lang="fr-FR"/>
           </a:p>
@@ -1847,7 +1852,7 @@
           <a:p>
             <a:fld id="{7D293AB4-7A42-124E-8932-A7E6F1CDDC2F}" type="datetimeFigureOut">
               <a:rPr lang="fr-FR" smtClean="0"/>
-              <a:t>04/08/2022</a:t>
+              <a:t>09/08/2022</a:t>
             </a:fld>
             <a:endParaRPr lang="fr-FR"/>
           </a:p>
@@ -2262,7 +2267,7 @@
           <a:p>
             <a:fld id="{7D293AB4-7A42-124E-8932-A7E6F1CDDC2F}" type="datetimeFigureOut">
               <a:rPr lang="fr-FR" smtClean="0"/>
-              <a:t>04/08/2022</a:t>
+              <a:t>09/08/2022</a:t>
             </a:fld>
             <a:endParaRPr lang="fr-FR"/>
           </a:p>
@@ -2404,7 +2409,7 @@
           <a:p>
             <a:fld id="{7D293AB4-7A42-124E-8932-A7E6F1CDDC2F}" type="datetimeFigureOut">
               <a:rPr lang="fr-FR" smtClean="0"/>
-              <a:t>04/08/2022</a:t>
+              <a:t>09/08/2022</a:t>
             </a:fld>
             <a:endParaRPr lang="fr-FR"/>
           </a:p>
@@ -2517,7 +2522,7 @@
           <a:p>
             <a:fld id="{7D293AB4-7A42-124E-8932-A7E6F1CDDC2F}" type="datetimeFigureOut">
               <a:rPr lang="fr-FR" smtClean="0"/>
-              <a:t>04/08/2022</a:t>
+              <a:t>09/08/2022</a:t>
             </a:fld>
             <a:endParaRPr lang="fr-FR"/>
           </a:p>
@@ -2830,7 +2835,7 @@
           <a:p>
             <a:fld id="{7D293AB4-7A42-124E-8932-A7E6F1CDDC2F}" type="datetimeFigureOut">
               <a:rPr lang="fr-FR" smtClean="0"/>
-              <a:t>04/08/2022</a:t>
+              <a:t>09/08/2022</a:t>
             </a:fld>
             <a:endParaRPr lang="fr-FR"/>
           </a:p>
@@ -3119,7 +3124,7 @@
           <a:p>
             <a:fld id="{7D293AB4-7A42-124E-8932-A7E6F1CDDC2F}" type="datetimeFigureOut">
               <a:rPr lang="fr-FR" smtClean="0"/>
-              <a:t>04/08/2022</a:t>
+              <a:t>09/08/2022</a:t>
             </a:fld>
             <a:endParaRPr lang="fr-FR"/>
           </a:p>
@@ -3362,7 +3367,7 @@
           <a:p>
             <a:fld id="{7D293AB4-7A42-124E-8932-A7E6F1CDDC2F}" type="datetimeFigureOut">
               <a:rPr lang="fr-FR" smtClean="0"/>
-              <a:t>04/08/2022</a:t>
+              <a:t>09/08/2022</a:t>
             </a:fld>
             <a:endParaRPr lang="fr-FR"/>
           </a:p>
@@ -9012,8 +9017,8 @@
         </p:blipFill>
         <p:spPr>
           <a:xfrm>
-            <a:off x="4977849" y="1778994"/>
-            <a:ext cx="307296" cy="310195"/>
+            <a:off x="4902087" y="1702518"/>
+            <a:ext cx="462574" cy="466938"/>
           </a:xfrm>
           <a:prstGeom prst="rect">
             <a:avLst/>
@@ -9036,9 +9041,9 @@
           <p:nvPr/>
         </p:nvCxnSpPr>
         <p:spPr>
-          <a:xfrm flipH="1">
+          <a:xfrm flipH="1" flipV="1">
             <a:off x="4798596" y="1934092"/>
-            <a:ext cx="179253" cy="0"/>
+            <a:ext cx="103491" cy="1895"/>
           </a:xfrm>
           <a:prstGeom prst="line">
             <a:avLst/>
@@ -9082,9 +9087,9 @@
           <p:nvPr/>
         </p:nvCxnSpPr>
         <p:spPr>
-          <a:xfrm flipV="1">
+          <a:xfrm flipH="1" flipV="1">
             <a:off x="5131497" y="457200"/>
-            <a:ext cx="0" cy="1321794"/>
+            <a:ext cx="1877" cy="1245318"/>
           </a:xfrm>
           <a:prstGeom prst="line">
             <a:avLst/>
@@ -9334,6 +9339,314 @@
           </a:extLst>
         </p:spPr>
       </p:pic>
+      <p:sp>
+        <p:nvSpPr>
+          <p:cNvPr id="2" name="ZoneTexte 1">
+            <a:extLst>
+              <a:ext uri="{FF2B5EF4-FFF2-40B4-BE49-F238E27FC236}">
+                <a16:creationId xmlns:a16="http://schemas.microsoft.com/office/drawing/2014/main" id="{BBE04598-88D6-BBED-3114-9C77E82B6A11}"/>
+              </a:ext>
+            </a:extLst>
+          </p:cNvPr>
+          <p:cNvSpPr txBox="1"/>
+          <p:nvPr/>
+        </p:nvSpPr>
+        <p:spPr>
+          <a:xfrm>
+            <a:off x="3109453" y="818316"/>
+            <a:ext cx="317716" cy="369332"/>
+          </a:xfrm>
+          <a:prstGeom prst="rect">
+            <a:avLst/>
+          </a:prstGeom>
+          <a:solidFill>
+            <a:schemeClr val="bg1">
+              <a:lumMod val="95000"/>
+            </a:schemeClr>
+          </a:solidFill>
+          <a:ln>
+            <a:solidFill>
+              <a:schemeClr val="tx1"/>
+            </a:solidFill>
+          </a:ln>
+        </p:spPr>
+        <p:txBody>
+          <a:bodyPr wrap="square" rtlCol="0">
+            <a:spAutoFit/>
+          </a:bodyPr>
+          <a:lstStyle/>
+          <a:p>
+            <a:r>
+              <a:rPr lang="fr-FR" dirty="0"/>
+              <a:t>A</a:t>
+            </a:r>
+          </a:p>
+        </p:txBody>
+      </p:sp>
+      <p:sp>
+        <p:nvSpPr>
+          <p:cNvPr id="3" name="ZoneTexte 2">
+            <a:extLst>
+              <a:ext uri="{FF2B5EF4-FFF2-40B4-BE49-F238E27FC236}">
+                <a16:creationId xmlns:a16="http://schemas.microsoft.com/office/drawing/2014/main" id="{4D578911-7D92-930D-DFFC-B1583B1DD946}"/>
+              </a:ext>
+            </a:extLst>
+          </p:cNvPr>
+          <p:cNvSpPr txBox="1"/>
+          <p:nvPr/>
+        </p:nvSpPr>
+        <p:spPr>
+          <a:xfrm>
+            <a:off x="7823952" y="1804208"/>
+            <a:ext cx="317716" cy="369332"/>
+          </a:xfrm>
+          <a:prstGeom prst="rect">
+            <a:avLst/>
+          </a:prstGeom>
+          <a:solidFill>
+            <a:schemeClr val="bg1">
+              <a:lumMod val="95000"/>
+            </a:schemeClr>
+          </a:solidFill>
+          <a:ln>
+            <a:solidFill>
+              <a:schemeClr val="tx1"/>
+            </a:solidFill>
+          </a:ln>
+        </p:spPr>
+        <p:txBody>
+          <a:bodyPr wrap="square" rtlCol="0">
+            <a:spAutoFit/>
+          </a:bodyPr>
+          <a:lstStyle/>
+          <a:p>
+            <a:r>
+              <a:rPr lang="fr-FR" dirty="0"/>
+              <a:t>B</a:t>
+            </a:r>
+          </a:p>
+        </p:txBody>
+      </p:sp>
+      <p:sp>
+        <p:nvSpPr>
+          <p:cNvPr id="4" name="ZoneTexte 3">
+            <a:extLst>
+              <a:ext uri="{FF2B5EF4-FFF2-40B4-BE49-F238E27FC236}">
+                <a16:creationId xmlns:a16="http://schemas.microsoft.com/office/drawing/2014/main" id="{635678A6-AE72-D5D8-7ABD-844A9A8A51A6}"/>
+              </a:ext>
+            </a:extLst>
+          </p:cNvPr>
+          <p:cNvSpPr txBox="1"/>
+          <p:nvPr/>
+        </p:nvSpPr>
+        <p:spPr>
+          <a:xfrm>
+            <a:off x="8686733" y="3571559"/>
+            <a:ext cx="317716" cy="369332"/>
+          </a:xfrm>
+          <a:prstGeom prst="rect">
+            <a:avLst/>
+          </a:prstGeom>
+          <a:solidFill>
+            <a:schemeClr val="bg1">
+              <a:lumMod val="95000"/>
+            </a:schemeClr>
+          </a:solidFill>
+          <a:ln>
+            <a:solidFill>
+              <a:schemeClr val="tx1"/>
+            </a:solidFill>
+          </a:ln>
+        </p:spPr>
+        <p:txBody>
+          <a:bodyPr wrap="square" rtlCol="0">
+            <a:spAutoFit/>
+          </a:bodyPr>
+          <a:lstStyle/>
+          <a:p>
+            <a:r>
+              <a:rPr lang="fr-FR" dirty="0"/>
+              <a:t>C</a:t>
+            </a:r>
+          </a:p>
+        </p:txBody>
+      </p:sp>
+      <p:sp>
+        <p:nvSpPr>
+          <p:cNvPr id="6" name="ZoneTexte 5">
+            <a:extLst>
+              <a:ext uri="{FF2B5EF4-FFF2-40B4-BE49-F238E27FC236}">
+                <a16:creationId xmlns:a16="http://schemas.microsoft.com/office/drawing/2014/main" id="{06846A9F-73CE-C143-87ED-E3F48CD8B7D0}"/>
+              </a:ext>
+            </a:extLst>
+          </p:cNvPr>
+          <p:cNvSpPr txBox="1"/>
+          <p:nvPr/>
+        </p:nvSpPr>
+        <p:spPr>
+          <a:xfrm>
+            <a:off x="6641279" y="1826180"/>
+            <a:ext cx="317716" cy="369332"/>
+          </a:xfrm>
+          <a:prstGeom prst="rect">
+            <a:avLst/>
+          </a:prstGeom>
+          <a:solidFill>
+            <a:schemeClr val="bg1">
+              <a:lumMod val="95000"/>
+            </a:schemeClr>
+          </a:solidFill>
+          <a:ln>
+            <a:solidFill>
+              <a:schemeClr val="tx1"/>
+            </a:solidFill>
+          </a:ln>
+        </p:spPr>
+        <p:txBody>
+          <a:bodyPr wrap="square" rtlCol="0">
+            <a:spAutoFit/>
+          </a:bodyPr>
+          <a:lstStyle/>
+          <a:p>
+            <a:r>
+              <a:rPr lang="fr-FR" dirty="0"/>
+              <a:t>D</a:t>
+            </a:r>
+          </a:p>
+        </p:txBody>
+      </p:sp>
+      <p:sp>
+        <p:nvSpPr>
+          <p:cNvPr id="8" name="ZoneTexte 7">
+            <a:extLst>
+              <a:ext uri="{FF2B5EF4-FFF2-40B4-BE49-F238E27FC236}">
+                <a16:creationId xmlns:a16="http://schemas.microsoft.com/office/drawing/2014/main" id="{426B45DB-724E-84BD-42F9-55059913357B}"/>
+              </a:ext>
+            </a:extLst>
+          </p:cNvPr>
+          <p:cNvSpPr txBox="1"/>
+          <p:nvPr/>
+        </p:nvSpPr>
+        <p:spPr>
+          <a:xfrm>
+            <a:off x="6397666" y="5198083"/>
+            <a:ext cx="317716" cy="369332"/>
+          </a:xfrm>
+          <a:prstGeom prst="rect">
+            <a:avLst/>
+          </a:prstGeom>
+          <a:solidFill>
+            <a:schemeClr val="bg1">
+              <a:lumMod val="95000"/>
+            </a:schemeClr>
+          </a:solidFill>
+          <a:ln>
+            <a:solidFill>
+              <a:schemeClr val="tx1"/>
+            </a:solidFill>
+          </a:ln>
+        </p:spPr>
+        <p:txBody>
+          <a:bodyPr wrap="square" rtlCol="0">
+            <a:spAutoFit/>
+          </a:bodyPr>
+          <a:lstStyle/>
+          <a:p>
+            <a:r>
+              <a:rPr lang="fr-FR" dirty="0"/>
+              <a:t>E</a:t>
+            </a:r>
+          </a:p>
+        </p:txBody>
+      </p:sp>
+      <p:sp>
+        <p:nvSpPr>
+          <p:cNvPr id="9" name="ZoneTexte 8">
+            <a:extLst>
+              <a:ext uri="{FF2B5EF4-FFF2-40B4-BE49-F238E27FC236}">
+                <a16:creationId xmlns:a16="http://schemas.microsoft.com/office/drawing/2014/main" id="{42F2DFD9-B657-5928-AFC4-0CDD4AC3DEBD}"/>
+              </a:ext>
+            </a:extLst>
+          </p:cNvPr>
+          <p:cNvSpPr txBox="1"/>
+          <p:nvPr/>
+        </p:nvSpPr>
+        <p:spPr>
+          <a:xfrm>
+            <a:off x="10573568" y="1719857"/>
+            <a:ext cx="317716" cy="369332"/>
+          </a:xfrm>
+          <a:prstGeom prst="rect">
+            <a:avLst/>
+          </a:prstGeom>
+          <a:solidFill>
+            <a:schemeClr val="bg1">
+              <a:lumMod val="95000"/>
+            </a:schemeClr>
+          </a:solidFill>
+          <a:ln>
+            <a:solidFill>
+              <a:schemeClr val="tx1"/>
+            </a:solidFill>
+          </a:ln>
+        </p:spPr>
+        <p:txBody>
+          <a:bodyPr wrap="square" rtlCol="0">
+            <a:spAutoFit/>
+          </a:bodyPr>
+          <a:lstStyle/>
+          <a:p>
+            <a:r>
+              <a:rPr lang="fr-FR" dirty="0"/>
+              <a:t>F</a:t>
+            </a:r>
+          </a:p>
+        </p:txBody>
+      </p:sp>
+      <p:sp>
+        <p:nvSpPr>
+          <p:cNvPr id="12" name="ZoneTexte 11">
+            <a:extLst>
+              <a:ext uri="{FF2B5EF4-FFF2-40B4-BE49-F238E27FC236}">
+                <a16:creationId xmlns:a16="http://schemas.microsoft.com/office/drawing/2014/main" id="{B0A8B186-AC03-B688-B05F-91F387E3210C}"/>
+              </a:ext>
+            </a:extLst>
+          </p:cNvPr>
+          <p:cNvSpPr txBox="1"/>
+          <p:nvPr/>
+        </p:nvSpPr>
+        <p:spPr>
+          <a:xfrm>
+            <a:off x="5160489" y="1387642"/>
+            <a:ext cx="317716" cy="369332"/>
+          </a:xfrm>
+          <a:prstGeom prst="rect">
+            <a:avLst/>
+          </a:prstGeom>
+          <a:solidFill>
+            <a:schemeClr val="bg1">
+              <a:lumMod val="95000"/>
+            </a:schemeClr>
+          </a:solidFill>
+          <a:ln>
+            <a:solidFill>
+              <a:schemeClr val="tx1"/>
+            </a:solidFill>
+          </a:ln>
+        </p:spPr>
+        <p:txBody>
+          <a:bodyPr wrap="square" rtlCol="0">
+            <a:spAutoFit/>
+          </a:bodyPr>
+          <a:lstStyle/>
+          <a:p>
+            <a:r>
+              <a:rPr lang="fr-FR" dirty="0"/>
+              <a:t>G</a:t>
+            </a:r>
+          </a:p>
+        </p:txBody>
+      </p:sp>
     </p:spTree>
     <p:extLst>
       <p:ext uri="{BB962C8B-B14F-4D97-AF65-F5344CB8AC3E}">
